--- a/Diaporama/DIAPO Steven.pptx
+++ b/Diaporama/DIAPO Steven.pptx
@@ -7748,7 +7748,7 @@
           <a:p>
             <a:r>
               <a:rPr lang="fr-FR" dirty="0"/>
-              <a:t>Présentation de la Tracibilité de la livraison </a:t>
+              <a:t>Acquisition des données de la livraison </a:t>
             </a:r>
           </a:p>
         </p:txBody>
@@ -7979,6 +7979,151 @@
           </a:p>
         </p:txBody>
       </p:sp>
+      <p:pic>
+        <p:nvPicPr>
+          <p:cNvPr id="3" name="Image 2">
+            <a:extLst>
+              <a:ext uri="{FF2B5EF4-FFF2-40B4-BE49-F238E27FC236}">
+                <a16:creationId xmlns:a16="http://schemas.microsoft.com/office/drawing/2014/main" id="{F6510815-0135-41B5-A536-DDDE07328BEA}"/>
+              </a:ext>
+            </a:extLst>
+          </p:cNvPr>
+          <p:cNvPicPr>
+            <a:picLocks noChangeAspect="1"/>
+          </p:cNvPicPr>
+          <p:nvPr/>
+        </p:nvPicPr>
+        <p:blipFill>
+          <a:blip r:embed="rId3"/>
+          <a:stretch>
+            <a:fillRect/>
+          </a:stretch>
+        </p:blipFill>
+        <p:spPr>
+          <a:xfrm>
+            <a:off x="390403" y="1772988"/>
+            <a:ext cx="5712035" cy="4486973"/>
+          </a:xfrm>
+          <a:prstGeom prst="rect">
+            <a:avLst/>
+          </a:prstGeom>
+        </p:spPr>
+      </p:pic>
+      <p:pic>
+        <p:nvPicPr>
+          <p:cNvPr id="10" name="Image 9">
+            <a:extLst>
+              <a:ext uri="{FF2B5EF4-FFF2-40B4-BE49-F238E27FC236}">
+                <a16:creationId xmlns:a16="http://schemas.microsoft.com/office/drawing/2014/main" id="{DA6859B6-7F39-45B7-A262-AC61A00B4094}"/>
+              </a:ext>
+            </a:extLst>
+          </p:cNvPr>
+          <p:cNvPicPr>
+            <a:picLocks noChangeAspect="1"/>
+          </p:cNvPicPr>
+          <p:nvPr/>
+        </p:nvPicPr>
+        <p:blipFill rotWithShape="1">
+          <a:blip r:embed="rId4"/>
+          <a:srcRect l="23833" t="69053" r="4378" b="681"/>
+          <a:stretch/>
+        </p:blipFill>
+        <p:spPr>
+          <a:xfrm>
+            <a:off x="6133059" y="2901453"/>
+            <a:ext cx="5627300" cy="1513144"/>
+          </a:xfrm>
+          <a:prstGeom prst="rect">
+            <a:avLst/>
+          </a:prstGeom>
+        </p:spPr>
+      </p:pic>
+      <p:cxnSp>
+        <p:nvCxnSpPr>
+          <p:cNvPr id="11" name="Connecteur droit 10">
+            <a:extLst>
+              <a:ext uri="{FF2B5EF4-FFF2-40B4-BE49-F238E27FC236}">
+                <a16:creationId xmlns:a16="http://schemas.microsoft.com/office/drawing/2014/main" id="{D5C9D399-3DE7-4F8A-BE54-CABA6E6086A9}"/>
+              </a:ext>
+            </a:extLst>
+          </p:cNvPr>
+          <p:cNvCxnSpPr>
+            <a:cxnSpLocks/>
+          </p:cNvCxnSpPr>
+          <p:nvPr/>
+        </p:nvCxnSpPr>
+        <p:spPr>
+          <a:xfrm>
+            <a:off x="6448337" y="3740945"/>
+            <a:ext cx="1623307" cy="0"/>
+          </a:xfrm>
+          <a:prstGeom prst="line">
+            <a:avLst/>
+          </a:prstGeom>
+          <a:ln w="28575">
+            <a:solidFill>
+              <a:srgbClr val="FF0000"/>
+            </a:solidFill>
+          </a:ln>
+        </p:spPr>
+        <p:style>
+          <a:lnRef idx="1">
+            <a:schemeClr val="accent2"/>
+          </a:lnRef>
+          <a:fillRef idx="0">
+            <a:schemeClr val="accent2"/>
+          </a:fillRef>
+          <a:effectRef idx="0">
+            <a:schemeClr val="accent2"/>
+          </a:effectRef>
+          <a:fontRef idx="minor">
+            <a:schemeClr val="tx1"/>
+          </a:fontRef>
+        </p:style>
+      </p:cxnSp>
+      <p:cxnSp>
+        <p:nvCxnSpPr>
+          <p:cNvPr id="13" name="Connecteur droit 12">
+            <a:extLst>
+              <a:ext uri="{FF2B5EF4-FFF2-40B4-BE49-F238E27FC236}">
+                <a16:creationId xmlns:a16="http://schemas.microsoft.com/office/drawing/2014/main" id="{9B830C5F-81FF-4914-9D3C-C1958E4F08C3}"/>
+              </a:ext>
+            </a:extLst>
+          </p:cNvPr>
+          <p:cNvCxnSpPr>
+            <a:cxnSpLocks/>
+          </p:cNvCxnSpPr>
+          <p:nvPr/>
+        </p:nvCxnSpPr>
+        <p:spPr>
+          <a:xfrm>
+            <a:off x="6758004" y="3933892"/>
+            <a:ext cx="1035368" cy="0"/>
+          </a:xfrm>
+          <a:prstGeom prst="line">
+            <a:avLst/>
+          </a:prstGeom>
+          <a:ln w="28575">
+            <a:solidFill>
+              <a:srgbClr val="FF0000"/>
+            </a:solidFill>
+          </a:ln>
+        </p:spPr>
+        <p:style>
+          <a:lnRef idx="1">
+            <a:schemeClr val="accent2"/>
+          </a:lnRef>
+          <a:fillRef idx="0">
+            <a:schemeClr val="accent2"/>
+          </a:fillRef>
+          <a:effectRef idx="0">
+            <a:schemeClr val="accent2"/>
+          </a:effectRef>
+          <a:fontRef idx="minor">
+            <a:schemeClr val="tx1"/>
+          </a:fontRef>
+        </p:style>
+      </p:cxnSp>
     </p:spTree>
     <p:extLst>
       <p:ext uri="{BB962C8B-B14F-4D97-AF65-F5344CB8AC3E}">
@@ -8098,14 +8243,19 @@
             <p:ph type="title"/>
           </p:nvPr>
         </p:nvSpPr>
-        <p:spPr/>
+        <p:spPr>
+          <a:xfrm>
+            <a:off x="1097279" y="286603"/>
+            <a:ext cx="9997441" cy="1450757"/>
+          </a:xfrm>
+        </p:spPr>
         <p:txBody>
           <a:bodyPr/>
           <a:lstStyle/>
           <a:p>
             <a:r>
               <a:rPr lang="fr-FR" dirty="0"/>
-              <a:t>Présentation personnelle</a:t>
+              <a:t>Synchronisation des données de la livraison vers la BDD </a:t>
             </a:r>
           </a:p>
         </p:txBody>
@@ -8336,6 +8486,108 @@
           </a:p>
         </p:txBody>
       </p:sp>
+      <p:pic>
+        <p:nvPicPr>
+          <p:cNvPr id="3" name="Image 2">
+            <a:extLst>
+              <a:ext uri="{FF2B5EF4-FFF2-40B4-BE49-F238E27FC236}">
+                <a16:creationId xmlns:a16="http://schemas.microsoft.com/office/drawing/2014/main" id="{27C23A36-BC5D-49C6-9018-282A756AE4C0}"/>
+              </a:ext>
+            </a:extLst>
+          </p:cNvPr>
+          <p:cNvPicPr>
+            <a:picLocks noChangeAspect="1"/>
+          </p:cNvPicPr>
+          <p:nvPr/>
+        </p:nvPicPr>
+        <p:blipFill>
+          <a:blip r:embed="rId3"/>
+          <a:stretch>
+            <a:fillRect/>
+          </a:stretch>
+        </p:blipFill>
+        <p:spPr>
+          <a:xfrm>
+            <a:off x="562063" y="1674424"/>
+            <a:ext cx="4954892" cy="4644241"/>
+          </a:xfrm>
+          <a:prstGeom prst="rect">
+            <a:avLst/>
+          </a:prstGeom>
+        </p:spPr>
+      </p:pic>
+      <p:pic>
+        <p:nvPicPr>
+          <p:cNvPr id="10" name="Image 9">
+            <a:extLst>
+              <a:ext uri="{FF2B5EF4-FFF2-40B4-BE49-F238E27FC236}">
+                <a16:creationId xmlns:a16="http://schemas.microsoft.com/office/drawing/2014/main" id="{14BF2642-6603-4C49-AB83-440D240AAC7A}"/>
+              </a:ext>
+            </a:extLst>
+          </p:cNvPr>
+          <p:cNvPicPr>
+            <a:picLocks noChangeAspect="1"/>
+          </p:cNvPicPr>
+          <p:nvPr/>
+        </p:nvPicPr>
+        <p:blipFill rotWithShape="1">
+          <a:blip r:embed="rId4"/>
+          <a:srcRect l="23833" t="69053" r="4378" b="681"/>
+          <a:stretch/>
+        </p:blipFill>
+        <p:spPr>
+          <a:xfrm>
+            <a:off x="5626502" y="2916454"/>
+            <a:ext cx="5834725" cy="1568919"/>
+          </a:xfrm>
+          <a:prstGeom prst="rect">
+            <a:avLst/>
+          </a:prstGeom>
+        </p:spPr>
+      </p:pic>
+      <p:cxnSp>
+        <p:nvCxnSpPr>
+          <p:cNvPr id="15" name="Connecteur droit 14">
+            <a:extLst>
+              <a:ext uri="{FF2B5EF4-FFF2-40B4-BE49-F238E27FC236}">
+                <a16:creationId xmlns:a16="http://schemas.microsoft.com/office/drawing/2014/main" id="{04776D8C-1171-452D-A95F-56ADB35F993F}"/>
+              </a:ext>
+            </a:extLst>
+          </p:cNvPr>
+          <p:cNvCxnSpPr>
+            <a:cxnSpLocks/>
+          </p:cNvCxnSpPr>
+          <p:nvPr/>
+        </p:nvCxnSpPr>
+        <p:spPr>
+          <a:xfrm>
+            <a:off x="6095999" y="4177172"/>
+            <a:ext cx="1403034" cy="0"/>
+          </a:xfrm>
+          <a:prstGeom prst="line">
+            <a:avLst/>
+          </a:prstGeom>
+          <a:ln w="28575">
+            <a:solidFill>
+              <a:srgbClr val="FF0000"/>
+            </a:solidFill>
+          </a:ln>
+        </p:spPr>
+        <p:style>
+          <a:lnRef idx="1">
+            <a:schemeClr val="accent2"/>
+          </a:lnRef>
+          <a:fillRef idx="0">
+            <a:schemeClr val="accent2"/>
+          </a:fillRef>
+          <a:effectRef idx="0">
+            <a:schemeClr val="accent2"/>
+          </a:effectRef>
+          <a:fontRef idx="minor">
+            <a:schemeClr val="tx1"/>
+          </a:fontRef>
+        </p:style>
+      </p:cxnSp>
     </p:spTree>
     <p:extLst>
       <p:ext uri="{BB962C8B-B14F-4D97-AF65-F5344CB8AC3E}">
@@ -10590,14 +10842,14 @@
           <p:nvPr>
             <p:extLst>
               <p:ext uri="{D42A27DB-BD31-4B8C-83A1-F6EECF244321}">
-                <p14:modId xmlns:p14="http://schemas.microsoft.com/office/powerpoint/2010/main" val="68253416"/>
+                <p14:modId xmlns:p14="http://schemas.microsoft.com/office/powerpoint/2010/main" val="550274055"/>
               </p:ext>
             </p:extLst>
           </p:nvPr>
         </p:nvGraphicFramePr>
         <p:xfrm>
           <a:off x="886345" y="640081"/>
-          <a:ext cx="6407526" cy="5054161"/>
+          <a:ext cx="6407526" cy="5295234"/>
         </p:xfrm>
         <a:graphic>
           <a:graphicData uri="http://schemas.openxmlformats.org/drawingml/2006/table">
@@ -10760,8 +11012,16 @@
                     <a:lstStyle/>
                     <a:p>
                       <a:r>
-                        <a:rPr lang="fr-FR" sz="1900"/>
-                        <a:t>Produits laitiers frais, œufs, desserts lactés, beurres et matières grasses, etc.</a:t>
+                        <a:rPr lang="fr-FR" sz="1900" dirty="0"/>
+                        <a:t>Produits laitiers frais, œufs, frites, coca, hamburger, pizza, encore des </a:t>
+                      </a:r>
+                      <a:r>
+                        <a:rPr lang="fr-FR" sz="1900" dirty="0" err="1"/>
+                        <a:t>frites,la</a:t>
+                      </a:r>
+                      <a:r>
+                        <a:rPr lang="fr-FR" sz="1900" dirty="0"/>
+                        <a:t> sauce desserts lactés, beurres et matières grasses, etc.</a:t>
                       </a:r>
                     </a:p>
                   </a:txBody>
@@ -10839,7 +11099,7 @@
                     <a:lstStyle/>
                     <a:p>
                       <a:r>
-                        <a:rPr lang="fr-FR" sz="1900"/>
+                        <a:rPr lang="fr-FR" sz="1900" dirty="0"/>
                         <a:t>- 18° C </a:t>
                       </a:r>
                     </a:p>

--- a/Diaporama/DIAPO Steven.pptx
+++ b/Diaporama/DIAPO Steven.pptx
@@ -13,10 +13,8 @@
     <p:sldId id="259" r:id="rId7"/>
     <p:sldId id="260" r:id="rId8"/>
     <p:sldId id="265" r:id="rId9"/>
-    <p:sldId id="266" r:id="rId10"/>
-    <p:sldId id="263" r:id="rId11"/>
-    <p:sldId id="264" r:id="rId12"/>
-    <p:sldId id="267" r:id="rId13"/>
+    <p:sldId id="263" r:id="rId10"/>
+    <p:sldId id="267" r:id="rId11"/>
   </p:sldIdLst>
   <p:sldSz cx="12192000" cy="6858000"/>
   <p:notesSz cx="6858000" cy="9144000"/>
@@ -7725,904 +7723,6 @@
           <p:cNvPr id="2" name="Titre 1">
             <a:extLst>
               <a:ext uri="{FF2B5EF4-FFF2-40B4-BE49-F238E27FC236}">
-                <a16:creationId xmlns:a16="http://schemas.microsoft.com/office/drawing/2014/main" id="{FB3D87DC-1F1D-44F6-BF92-FACAE24261D3}"/>
-              </a:ext>
-            </a:extLst>
-          </p:cNvPr>
-          <p:cNvSpPr>
-            <a:spLocks noGrp="1"/>
-          </p:cNvSpPr>
-          <p:nvPr>
-            <p:ph type="title"/>
-          </p:nvPr>
-        </p:nvSpPr>
-        <p:spPr>
-          <a:xfrm>
-            <a:off x="1097280" y="263527"/>
-            <a:ext cx="10336914" cy="1450757"/>
-          </a:xfrm>
-        </p:spPr>
-        <p:txBody>
-          <a:bodyPr/>
-          <a:lstStyle/>
-          <a:p>
-            <a:r>
-              <a:rPr lang="fr-FR" dirty="0"/>
-              <a:t>Acquisition des données de la livraison </a:t>
-            </a:r>
-          </a:p>
-        </p:txBody>
-      </p:sp>
-      <p:pic>
-        <p:nvPicPr>
-          <p:cNvPr id="4" name="Espace réservé du contenu 4">
-            <a:extLst>
-              <a:ext uri="{FF2B5EF4-FFF2-40B4-BE49-F238E27FC236}">
-                <a16:creationId xmlns:a16="http://schemas.microsoft.com/office/drawing/2014/main" id="{EFBED685-8B33-4694-861C-325FB3929A2D}"/>
-              </a:ext>
-            </a:extLst>
-          </p:cNvPr>
-          <p:cNvPicPr>
-            <a:picLocks noChangeAspect="1"/>
-          </p:cNvPicPr>
-          <p:nvPr/>
-        </p:nvPicPr>
-        <p:blipFill>
-          <a:blip r:embed="rId2" cstate="print">
-            <a:extLst>
-              <a:ext uri="{28A0092B-C50C-407E-A947-70E740481C1C}">
-                <a14:useLocalDpi xmlns:a14="http://schemas.microsoft.com/office/drawing/2010/main" val="0"/>
-              </a:ext>
-            </a:extLst>
-          </a:blip>
-          <a:stretch>
-            <a:fillRect/>
-          </a:stretch>
-        </p:blipFill>
-        <p:spPr>
-          <a:xfrm>
-            <a:off x="5473546" y="6318665"/>
-            <a:ext cx="616018" cy="616018"/>
-          </a:xfrm>
-          <a:prstGeom prst="rect">
-            <a:avLst/>
-          </a:prstGeom>
-        </p:spPr>
-      </p:pic>
-      <p:sp>
-        <p:nvSpPr>
-          <p:cNvPr id="5" name="ZoneTexte 4">
-            <a:extLst>
-              <a:ext uri="{FF2B5EF4-FFF2-40B4-BE49-F238E27FC236}">
-                <a16:creationId xmlns:a16="http://schemas.microsoft.com/office/drawing/2014/main" id="{D352F6DE-74E1-483E-B67D-F979EBF3A6E5}"/>
-              </a:ext>
-            </a:extLst>
-          </p:cNvPr>
-          <p:cNvSpPr txBox="1"/>
-          <p:nvPr/>
-        </p:nvSpPr>
-        <p:spPr>
-          <a:xfrm>
-            <a:off x="1693094" y="6442008"/>
-            <a:ext cx="1068371" cy="369332"/>
-          </a:xfrm>
-          <a:prstGeom prst="rect">
-            <a:avLst/>
-          </a:prstGeom>
-          <a:noFill/>
-        </p:spPr>
-        <p:txBody>
-          <a:bodyPr wrap="square" rtlCol="0">
-            <a:spAutoFit/>
-          </a:bodyPr>
-          <a:lstStyle/>
-          <a:p>
-            <a:pPr algn="just"/>
-            <a:r>
-              <a:rPr lang="fr-FR" dirty="0">
-                <a:latin typeface="Agency FB" panose="020B0503020202020204" pitchFamily="34" charset="0"/>
-              </a:rPr>
-              <a:t>Introduction</a:t>
-            </a:r>
-          </a:p>
-        </p:txBody>
-      </p:sp>
-      <p:sp>
-        <p:nvSpPr>
-          <p:cNvPr id="6" name="ZoneTexte 5">
-            <a:extLst>
-              <a:ext uri="{FF2B5EF4-FFF2-40B4-BE49-F238E27FC236}">
-                <a16:creationId xmlns:a16="http://schemas.microsoft.com/office/drawing/2014/main" id="{81D86E08-6339-4383-8325-EDAB76A83C54}"/>
-              </a:ext>
-            </a:extLst>
-          </p:cNvPr>
-          <p:cNvSpPr txBox="1"/>
-          <p:nvPr/>
-        </p:nvSpPr>
-        <p:spPr>
-          <a:xfrm>
-            <a:off x="3409930" y="6442008"/>
-            <a:ext cx="2107024" cy="369332"/>
-          </a:xfrm>
-          <a:prstGeom prst="rect">
-            <a:avLst/>
-          </a:prstGeom>
-          <a:noFill/>
-        </p:spPr>
-        <p:txBody>
-          <a:bodyPr wrap="square" rtlCol="0">
-            <a:spAutoFit/>
-          </a:bodyPr>
-          <a:lstStyle/>
-          <a:p>
-            <a:pPr algn="just"/>
-            <a:r>
-              <a:rPr lang="fr-FR" dirty="0">
-                <a:latin typeface="Agency FB" panose="020B0503020202020204" pitchFamily="34" charset="0"/>
-              </a:rPr>
-              <a:t>Présentation de PROXIDEJ</a:t>
-            </a:r>
-          </a:p>
-        </p:txBody>
-      </p:sp>
-      <p:sp>
-        <p:nvSpPr>
-          <p:cNvPr id="7" name="ZoneTexte 6">
-            <a:extLst>
-              <a:ext uri="{FF2B5EF4-FFF2-40B4-BE49-F238E27FC236}">
-                <a16:creationId xmlns:a16="http://schemas.microsoft.com/office/drawing/2014/main" id="{C9A37364-4A84-47BF-A57F-321191E60553}"/>
-              </a:ext>
-            </a:extLst>
-          </p:cNvPr>
-          <p:cNvSpPr txBox="1"/>
-          <p:nvPr/>
-        </p:nvSpPr>
-        <p:spPr>
-          <a:xfrm>
-            <a:off x="6089564" y="6442008"/>
-            <a:ext cx="1409469" cy="369332"/>
-          </a:xfrm>
-          <a:prstGeom prst="rect">
-            <a:avLst/>
-          </a:prstGeom>
-          <a:noFill/>
-        </p:spPr>
-        <p:txBody>
-          <a:bodyPr wrap="square" rtlCol="0">
-            <a:spAutoFit/>
-          </a:bodyPr>
-          <a:lstStyle/>
-          <a:p>
-            <a:pPr algn="just"/>
-            <a:r>
-              <a:rPr lang="fr-FR" dirty="0">
-                <a:latin typeface="Agency FB" panose="020B0503020202020204" pitchFamily="34" charset="0"/>
-              </a:rPr>
-              <a:t>Projet en groupe</a:t>
-            </a:r>
-          </a:p>
-        </p:txBody>
-      </p:sp>
-      <p:sp>
-        <p:nvSpPr>
-          <p:cNvPr id="8" name="ZoneTexte 7">
-            <a:extLst>
-              <a:ext uri="{FF2B5EF4-FFF2-40B4-BE49-F238E27FC236}">
-                <a16:creationId xmlns:a16="http://schemas.microsoft.com/office/drawing/2014/main" id="{0122A37C-47EF-4B7C-BC12-8DABA46D1C2D}"/>
-              </a:ext>
-            </a:extLst>
-          </p:cNvPr>
-          <p:cNvSpPr txBox="1"/>
-          <p:nvPr/>
-        </p:nvSpPr>
-        <p:spPr>
-          <a:xfrm>
-            <a:off x="8071644" y="6442008"/>
-            <a:ext cx="1409468" cy="369332"/>
-          </a:xfrm>
-          <a:prstGeom prst="rect">
-            <a:avLst/>
-          </a:prstGeom>
-          <a:noFill/>
-        </p:spPr>
-        <p:txBody>
-          <a:bodyPr wrap="square" rtlCol="0">
-            <a:spAutoFit/>
-          </a:bodyPr>
-          <a:lstStyle/>
-          <a:p>
-            <a:pPr algn="just"/>
-            <a:r>
-              <a:rPr lang="fr-FR" dirty="0">
-                <a:latin typeface="Agency FB" panose="020B0503020202020204" pitchFamily="34" charset="0"/>
-              </a:rPr>
-              <a:t>Projet personnel</a:t>
-            </a:r>
-          </a:p>
-        </p:txBody>
-      </p:sp>
-      <p:sp>
-        <p:nvSpPr>
-          <p:cNvPr id="9" name="ZoneTexte 8">
-            <a:extLst>
-              <a:ext uri="{FF2B5EF4-FFF2-40B4-BE49-F238E27FC236}">
-                <a16:creationId xmlns:a16="http://schemas.microsoft.com/office/drawing/2014/main" id="{775A2C69-534C-4F39-AE40-F365CD14DDA9}"/>
-              </a:ext>
-            </a:extLst>
-          </p:cNvPr>
-          <p:cNvSpPr txBox="1"/>
-          <p:nvPr/>
-        </p:nvSpPr>
-        <p:spPr>
-          <a:xfrm>
-            <a:off x="10053722" y="6442008"/>
-            <a:ext cx="1040998" cy="369332"/>
-          </a:xfrm>
-          <a:prstGeom prst="rect">
-            <a:avLst/>
-          </a:prstGeom>
-          <a:noFill/>
-        </p:spPr>
-        <p:txBody>
-          <a:bodyPr wrap="square" rtlCol="0">
-            <a:spAutoFit/>
-          </a:bodyPr>
-          <a:lstStyle/>
-          <a:p>
-            <a:pPr algn="just"/>
-            <a:r>
-              <a:rPr lang="fr-FR" dirty="0">
-                <a:latin typeface="Agency FB" panose="020B0503020202020204" pitchFamily="34" charset="0"/>
-              </a:rPr>
-              <a:t>Conclusion</a:t>
-            </a:r>
-          </a:p>
-        </p:txBody>
-      </p:sp>
-      <p:pic>
-        <p:nvPicPr>
-          <p:cNvPr id="3" name="Image 2">
-            <a:extLst>
-              <a:ext uri="{FF2B5EF4-FFF2-40B4-BE49-F238E27FC236}">
-                <a16:creationId xmlns:a16="http://schemas.microsoft.com/office/drawing/2014/main" id="{F6510815-0135-41B5-A536-DDDE07328BEA}"/>
-              </a:ext>
-            </a:extLst>
-          </p:cNvPr>
-          <p:cNvPicPr>
-            <a:picLocks noChangeAspect="1"/>
-          </p:cNvPicPr>
-          <p:nvPr/>
-        </p:nvPicPr>
-        <p:blipFill>
-          <a:blip r:embed="rId3"/>
-          <a:stretch>
-            <a:fillRect/>
-          </a:stretch>
-        </p:blipFill>
-        <p:spPr>
-          <a:xfrm>
-            <a:off x="390403" y="1772988"/>
-            <a:ext cx="5712035" cy="4486973"/>
-          </a:xfrm>
-          <a:prstGeom prst="rect">
-            <a:avLst/>
-          </a:prstGeom>
-        </p:spPr>
-      </p:pic>
-      <p:pic>
-        <p:nvPicPr>
-          <p:cNvPr id="10" name="Image 9">
-            <a:extLst>
-              <a:ext uri="{FF2B5EF4-FFF2-40B4-BE49-F238E27FC236}">
-                <a16:creationId xmlns:a16="http://schemas.microsoft.com/office/drawing/2014/main" id="{DA6859B6-7F39-45B7-A262-AC61A00B4094}"/>
-              </a:ext>
-            </a:extLst>
-          </p:cNvPr>
-          <p:cNvPicPr>
-            <a:picLocks noChangeAspect="1"/>
-          </p:cNvPicPr>
-          <p:nvPr/>
-        </p:nvPicPr>
-        <p:blipFill rotWithShape="1">
-          <a:blip r:embed="rId4"/>
-          <a:srcRect l="23833" t="69053" r="4378" b="681"/>
-          <a:stretch/>
-        </p:blipFill>
-        <p:spPr>
-          <a:xfrm>
-            <a:off x="6133059" y="2901453"/>
-            <a:ext cx="5627300" cy="1513144"/>
-          </a:xfrm>
-          <a:prstGeom prst="rect">
-            <a:avLst/>
-          </a:prstGeom>
-        </p:spPr>
-      </p:pic>
-      <p:cxnSp>
-        <p:nvCxnSpPr>
-          <p:cNvPr id="11" name="Connecteur droit 10">
-            <a:extLst>
-              <a:ext uri="{FF2B5EF4-FFF2-40B4-BE49-F238E27FC236}">
-                <a16:creationId xmlns:a16="http://schemas.microsoft.com/office/drawing/2014/main" id="{D5C9D399-3DE7-4F8A-BE54-CABA6E6086A9}"/>
-              </a:ext>
-            </a:extLst>
-          </p:cNvPr>
-          <p:cNvCxnSpPr>
-            <a:cxnSpLocks/>
-          </p:cNvCxnSpPr>
-          <p:nvPr/>
-        </p:nvCxnSpPr>
-        <p:spPr>
-          <a:xfrm>
-            <a:off x="6448337" y="3740945"/>
-            <a:ext cx="1623307" cy="0"/>
-          </a:xfrm>
-          <a:prstGeom prst="line">
-            <a:avLst/>
-          </a:prstGeom>
-          <a:ln w="28575">
-            <a:solidFill>
-              <a:srgbClr val="FF0000"/>
-            </a:solidFill>
-          </a:ln>
-        </p:spPr>
-        <p:style>
-          <a:lnRef idx="1">
-            <a:schemeClr val="accent2"/>
-          </a:lnRef>
-          <a:fillRef idx="0">
-            <a:schemeClr val="accent2"/>
-          </a:fillRef>
-          <a:effectRef idx="0">
-            <a:schemeClr val="accent2"/>
-          </a:effectRef>
-          <a:fontRef idx="minor">
-            <a:schemeClr val="tx1"/>
-          </a:fontRef>
-        </p:style>
-      </p:cxnSp>
-      <p:cxnSp>
-        <p:nvCxnSpPr>
-          <p:cNvPr id="13" name="Connecteur droit 12">
-            <a:extLst>
-              <a:ext uri="{FF2B5EF4-FFF2-40B4-BE49-F238E27FC236}">
-                <a16:creationId xmlns:a16="http://schemas.microsoft.com/office/drawing/2014/main" id="{9B830C5F-81FF-4914-9D3C-C1958E4F08C3}"/>
-              </a:ext>
-            </a:extLst>
-          </p:cNvPr>
-          <p:cNvCxnSpPr>
-            <a:cxnSpLocks/>
-          </p:cNvCxnSpPr>
-          <p:nvPr/>
-        </p:nvCxnSpPr>
-        <p:spPr>
-          <a:xfrm>
-            <a:off x="6758004" y="3933892"/>
-            <a:ext cx="1035368" cy="0"/>
-          </a:xfrm>
-          <a:prstGeom prst="line">
-            <a:avLst/>
-          </a:prstGeom>
-          <a:ln w="28575">
-            <a:solidFill>
-              <a:srgbClr val="FF0000"/>
-            </a:solidFill>
-          </a:ln>
-        </p:spPr>
-        <p:style>
-          <a:lnRef idx="1">
-            <a:schemeClr val="accent2"/>
-          </a:lnRef>
-          <a:fillRef idx="0">
-            <a:schemeClr val="accent2"/>
-          </a:fillRef>
-          <a:effectRef idx="0">
-            <a:schemeClr val="accent2"/>
-          </a:effectRef>
-          <a:fontRef idx="minor">
-            <a:schemeClr val="tx1"/>
-          </a:fontRef>
-        </p:style>
-      </p:cxnSp>
-    </p:spTree>
-    <p:extLst>
-      <p:ext uri="{BB962C8B-B14F-4D97-AF65-F5344CB8AC3E}">
-        <p14:creationId xmlns:p14="http://schemas.microsoft.com/office/powerpoint/2010/main" val="2357258378"/>
-      </p:ext>
-    </p:extLst>
-  </p:cSld>
-  <p:clrMapOvr>
-    <a:masterClrMapping/>
-  </p:clrMapOvr>
-  <p:timing>
-    <p:tnLst>
-      <p:par>
-        <p:cTn id="1" dur="indefinite" restart="never" nodeType="tmRoot">
-          <p:childTnLst>
-            <p:seq concurrent="1" nextAc="seek">
-              <p:cTn id="2" dur="indefinite" nodeType="mainSeq">
-                <p:childTnLst>
-                  <p:par>
-                    <p:cTn id="3" fill="hold">
-                      <p:stCondLst>
-                        <p:cond delay="indefinite"/>
-                        <p:cond evt="onBegin" delay="0">
-                          <p:tn val="2"/>
-                        </p:cond>
-                      </p:stCondLst>
-                      <p:childTnLst>
-                        <p:par>
-                          <p:cTn id="4" fill="hold">
-                            <p:stCondLst>
-                              <p:cond delay="0"/>
-                            </p:stCondLst>
-                            <p:childTnLst>
-                              <p:par>
-                                <p:cTn id="5" presetID="63" presetClass="path" presetSubtype="0" accel="50000" decel="50000" fill="hold" nodeType="withEffect">
-                                  <p:stCondLst>
-                                    <p:cond delay="0"/>
-                                  </p:stCondLst>
-                                  <p:childTnLst>
-                                    <p:animMotion origin="layout" path="M 1.25E-6 -3.7037E-6 L 0.16107 -3.7037E-6 " pathEditMode="relative" rAng="0" ptsTypes="AA">
-                                      <p:cBhvr>
-                                        <p:cTn id="6" dur="2000" fill="hold"/>
-                                        <p:tgtEl>
-                                          <p:spTgt spid="4"/>
-                                        </p:tgtEl>
-                                        <p:attrNameLst>
-                                          <p:attrName>ppt_x</p:attrName>
-                                          <p:attrName>ppt_y</p:attrName>
-                                        </p:attrNameLst>
-                                      </p:cBhvr>
-                                      <p:rCtr x="8047" y="0"/>
-                                    </p:animMotion>
-                                  </p:childTnLst>
-                                </p:cTn>
-                              </p:par>
-                            </p:childTnLst>
-                          </p:cTn>
-                        </p:par>
-                      </p:childTnLst>
-                    </p:cTn>
-                  </p:par>
-                </p:childTnLst>
-              </p:cTn>
-              <p:prevCondLst>
-                <p:cond evt="onPrev" delay="0">
-                  <p:tgtEl>
-                    <p:sldTgt/>
-                  </p:tgtEl>
-                </p:cond>
-              </p:prevCondLst>
-              <p:nextCondLst>
-                <p:cond evt="onNext" delay="0">
-                  <p:tgtEl>
-                    <p:sldTgt/>
-                  </p:tgtEl>
-                </p:cond>
-              </p:nextCondLst>
-            </p:seq>
-          </p:childTnLst>
-        </p:cTn>
-      </p:par>
-    </p:tnLst>
-  </p:timing>
-</p:sld>
-</file>
-
-<file path=ppt/slides/slide11.xml><?xml version="1.0" encoding="utf-8"?>
-<p:sld xmlns:a="http://schemas.openxmlformats.org/drawingml/2006/main" xmlns:r="http://schemas.openxmlformats.org/officeDocument/2006/relationships" xmlns:p="http://schemas.openxmlformats.org/presentationml/2006/main">
-  <p:cSld>
-    <p:spTree>
-      <p:nvGrpSpPr>
-        <p:cNvPr id="1" name=""/>
-        <p:cNvGrpSpPr/>
-        <p:nvPr/>
-      </p:nvGrpSpPr>
-      <p:grpSpPr>
-        <a:xfrm>
-          <a:off x="0" y="0"/>
-          <a:ext cx="0" cy="0"/>
-          <a:chOff x="0" y="0"/>
-          <a:chExt cx="0" cy="0"/>
-        </a:xfrm>
-      </p:grpSpPr>
-      <p:sp>
-        <p:nvSpPr>
-          <p:cNvPr id="2" name="Titre 1">
-            <a:extLst>
-              <a:ext uri="{FF2B5EF4-FFF2-40B4-BE49-F238E27FC236}">
-                <a16:creationId xmlns:a16="http://schemas.microsoft.com/office/drawing/2014/main" id="{5F56F51A-8228-488D-86B2-C8EF138BFDD9}"/>
-              </a:ext>
-            </a:extLst>
-          </p:cNvPr>
-          <p:cNvSpPr>
-            <a:spLocks noGrp="1"/>
-          </p:cNvSpPr>
-          <p:nvPr>
-            <p:ph type="title"/>
-          </p:nvPr>
-        </p:nvSpPr>
-        <p:spPr>
-          <a:xfrm>
-            <a:off x="1097279" y="286603"/>
-            <a:ext cx="9997441" cy="1450757"/>
-          </a:xfrm>
-        </p:spPr>
-        <p:txBody>
-          <a:bodyPr/>
-          <a:lstStyle/>
-          <a:p>
-            <a:r>
-              <a:rPr lang="fr-FR" dirty="0"/>
-              <a:t>Synchronisation des données de la livraison vers la BDD </a:t>
-            </a:r>
-          </a:p>
-        </p:txBody>
-      </p:sp>
-      <p:pic>
-        <p:nvPicPr>
-          <p:cNvPr id="4" name="Espace réservé du contenu 4">
-            <a:extLst>
-              <a:ext uri="{FF2B5EF4-FFF2-40B4-BE49-F238E27FC236}">
-                <a16:creationId xmlns:a16="http://schemas.microsoft.com/office/drawing/2014/main" id="{6BE7F347-8E6F-468F-B35A-4C9CF9A91ECD}"/>
-              </a:ext>
-            </a:extLst>
-          </p:cNvPr>
-          <p:cNvPicPr>
-            <a:picLocks noChangeAspect="1"/>
-          </p:cNvPicPr>
-          <p:nvPr/>
-        </p:nvPicPr>
-        <p:blipFill>
-          <a:blip r:embed="rId2" cstate="print">
-            <a:extLst>
-              <a:ext uri="{28A0092B-C50C-407E-A947-70E740481C1C}">
-                <a14:useLocalDpi xmlns:a14="http://schemas.microsoft.com/office/drawing/2010/main" val="0"/>
-              </a:ext>
-            </a:extLst>
-          </a:blip>
-          <a:stretch>
-            <a:fillRect/>
-          </a:stretch>
-        </p:blipFill>
-        <p:spPr>
-          <a:xfrm>
-            <a:off x="7499033" y="6318665"/>
-            <a:ext cx="616018" cy="616018"/>
-          </a:xfrm>
-          <a:prstGeom prst="rect">
-            <a:avLst/>
-          </a:prstGeom>
-        </p:spPr>
-      </p:pic>
-      <p:sp>
-        <p:nvSpPr>
-          <p:cNvPr id="5" name="ZoneTexte 4">
-            <a:extLst>
-              <a:ext uri="{FF2B5EF4-FFF2-40B4-BE49-F238E27FC236}">
-                <a16:creationId xmlns:a16="http://schemas.microsoft.com/office/drawing/2014/main" id="{ED9B02B8-4008-4EC6-A7A1-0DC6A64F1AB2}"/>
-              </a:ext>
-            </a:extLst>
-          </p:cNvPr>
-          <p:cNvSpPr txBox="1"/>
-          <p:nvPr/>
-        </p:nvSpPr>
-        <p:spPr>
-          <a:xfrm>
-            <a:off x="1693094" y="6442008"/>
-            <a:ext cx="1068371" cy="369332"/>
-          </a:xfrm>
-          <a:prstGeom prst="rect">
-            <a:avLst/>
-          </a:prstGeom>
-          <a:noFill/>
-        </p:spPr>
-        <p:txBody>
-          <a:bodyPr wrap="square" rtlCol="0">
-            <a:spAutoFit/>
-          </a:bodyPr>
-          <a:lstStyle/>
-          <a:p>
-            <a:pPr algn="just"/>
-            <a:r>
-              <a:rPr lang="fr-FR" dirty="0">
-                <a:latin typeface="Agency FB" panose="020B0503020202020204" pitchFamily="34" charset="0"/>
-              </a:rPr>
-              <a:t>Introduction</a:t>
-            </a:r>
-          </a:p>
-        </p:txBody>
-      </p:sp>
-      <p:sp>
-        <p:nvSpPr>
-          <p:cNvPr id="6" name="ZoneTexte 5">
-            <a:extLst>
-              <a:ext uri="{FF2B5EF4-FFF2-40B4-BE49-F238E27FC236}">
-                <a16:creationId xmlns:a16="http://schemas.microsoft.com/office/drawing/2014/main" id="{56A3C651-D503-4D2D-92D9-D818755649CA}"/>
-              </a:ext>
-            </a:extLst>
-          </p:cNvPr>
-          <p:cNvSpPr txBox="1"/>
-          <p:nvPr/>
-        </p:nvSpPr>
-        <p:spPr>
-          <a:xfrm>
-            <a:off x="3409930" y="6442008"/>
-            <a:ext cx="2107024" cy="369332"/>
-          </a:xfrm>
-          <a:prstGeom prst="rect">
-            <a:avLst/>
-          </a:prstGeom>
-          <a:noFill/>
-        </p:spPr>
-        <p:txBody>
-          <a:bodyPr wrap="square" rtlCol="0">
-            <a:spAutoFit/>
-          </a:bodyPr>
-          <a:lstStyle/>
-          <a:p>
-            <a:pPr algn="just"/>
-            <a:r>
-              <a:rPr lang="fr-FR" dirty="0">
-                <a:latin typeface="Agency FB" panose="020B0503020202020204" pitchFamily="34" charset="0"/>
-              </a:rPr>
-              <a:t>Présentation de PROXIDEJ</a:t>
-            </a:r>
-          </a:p>
-        </p:txBody>
-      </p:sp>
-      <p:sp>
-        <p:nvSpPr>
-          <p:cNvPr id="7" name="ZoneTexte 6">
-            <a:extLst>
-              <a:ext uri="{FF2B5EF4-FFF2-40B4-BE49-F238E27FC236}">
-                <a16:creationId xmlns:a16="http://schemas.microsoft.com/office/drawing/2014/main" id="{2A999787-6AF3-40AD-9F10-809786410FB5}"/>
-              </a:ext>
-            </a:extLst>
-          </p:cNvPr>
-          <p:cNvSpPr txBox="1"/>
-          <p:nvPr/>
-        </p:nvSpPr>
-        <p:spPr>
-          <a:xfrm>
-            <a:off x="6089564" y="6442008"/>
-            <a:ext cx="1409469" cy="369332"/>
-          </a:xfrm>
-          <a:prstGeom prst="rect">
-            <a:avLst/>
-          </a:prstGeom>
-          <a:noFill/>
-        </p:spPr>
-        <p:txBody>
-          <a:bodyPr wrap="square" rtlCol="0">
-            <a:spAutoFit/>
-          </a:bodyPr>
-          <a:lstStyle/>
-          <a:p>
-            <a:pPr algn="just"/>
-            <a:r>
-              <a:rPr lang="fr-FR" dirty="0">
-                <a:latin typeface="Agency FB" panose="020B0503020202020204" pitchFamily="34" charset="0"/>
-              </a:rPr>
-              <a:t>Projet en groupe</a:t>
-            </a:r>
-          </a:p>
-        </p:txBody>
-      </p:sp>
-      <p:sp>
-        <p:nvSpPr>
-          <p:cNvPr id="8" name="ZoneTexte 7">
-            <a:extLst>
-              <a:ext uri="{FF2B5EF4-FFF2-40B4-BE49-F238E27FC236}">
-                <a16:creationId xmlns:a16="http://schemas.microsoft.com/office/drawing/2014/main" id="{9AF224B5-A9FB-4843-840B-DF7AFA788510}"/>
-              </a:ext>
-            </a:extLst>
-          </p:cNvPr>
-          <p:cNvSpPr txBox="1"/>
-          <p:nvPr/>
-        </p:nvSpPr>
-        <p:spPr>
-          <a:xfrm>
-            <a:off x="8071644" y="6442008"/>
-            <a:ext cx="1409468" cy="369332"/>
-          </a:xfrm>
-          <a:prstGeom prst="rect">
-            <a:avLst/>
-          </a:prstGeom>
-          <a:noFill/>
-        </p:spPr>
-        <p:txBody>
-          <a:bodyPr wrap="square" rtlCol="0">
-            <a:spAutoFit/>
-          </a:bodyPr>
-          <a:lstStyle/>
-          <a:p>
-            <a:pPr algn="just"/>
-            <a:r>
-              <a:rPr lang="fr-FR" dirty="0">
-                <a:latin typeface="Agency FB" panose="020B0503020202020204" pitchFamily="34" charset="0"/>
-              </a:rPr>
-              <a:t>Projet personnel</a:t>
-            </a:r>
-          </a:p>
-        </p:txBody>
-      </p:sp>
-      <p:sp>
-        <p:nvSpPr>
-          <p:cNvPr id="9" name="ZoneTexte 8">
-            <a:extLst>
-              <a:ext uri="{FF2B5EF4-FFF2-40B4-BE49-F238E27FC236}">
-                <a16:creationId xmlns:a16="http://schemas.microsoft.com/office/drawing/2014/main" id="{F47E9ADC-3D8A-4C37-9C8A-7ABA36CA8C24}"/>
-              </a:ext>
-            </a:extLst>
-          </p:cNvPr>
-          <p:cNvSpPr txBox="1"/>
-          <p:nvPr/>
-        </p:nvSpPr>
-        <p:spPr>
-          <a:xfrm>
-            <a:off x="10053722" y="6442008"/>
-            <a:ext cx="1040998" cy="369332"/>
-          </a:xfrm>
-          <a:prstGeom prst="rect">
-            <a:avLst/>
-          </a:prstGeom>
-          <a:noFill/>
-        </p:spPr>
-        <p:txBody>
-          <a:bodyPr wrap="square" rtlCol="0">
-            <a:spAutoFit/>
-          </a:bodyPr>
-          <a:lstStyle/>
-          <a:p>
-            <a:pPr algn="just"/>
-            <a:r>
-              <a:rPr lang="fr-FR" dirty="0">
-                <a:latin typeface="Agency FB" panose="020B0503020202020204" pitchFamily="34" charset="0"/>
-              </a:rPr>
-              <a:t>Conclusion</a:t>
-            </a:r>
-          </a:p>
-        </p:txBody>
-      </p:sp>
-      <p:pic>
-        <p:nvPicPr>
-          <p:cNvPr id="3" name="Image 2">
-            <a:extLst>
-              <a:ext uri="{FF2B5EF4-FFF2-40B4-BE49-F238E27FC236}">
-                <a16:creationId xmlns:a16="http://schemas.microsoft.com/office/drawing/2014/main" id="{27C23A36-BC5D-49C6-9018-282A756AE4C0}"/>
-              </a:ext>
-            </a:extLst>
-          </p:cNvPr>
-          <p:cNvPicPr>
-            <a:picLocks noChangeAspect="1"/>
-          </p:cNvPicPr>
-          <p:nvPr/>
-        </p:nvPicPr>
-        <p:blipFill>
-          <a:blip r:embed="rId3"/>
-          <a:stretch>
-            <a:fillRect/>
-          </a:stretch>
-        </p:blipFill>
-        <p:spPr>
-          <a:xfrm>
-            <a:off x="562063" y="1674424"/>
-            <a:ext cx="4954892" cy="4644241"/>
-          </a:xfrm>
-          <a:prstGeom prst="rect">
-            <a:avLst/>
-          </a:prstGeom>
-        </p:spPr>
-      </p:pic>
-      <p:pic>
-        <p:nvPicPr>
-          <p:cNvPr id="10" name="Image 9">
-            <a:extLst>
-              <a:ext uri="{FF2B5EF4-FFF2-40B4-BE49-F238E27FC236}">
-                <a16:creationId xmlns:a16="http://schemas.microsoft.com/office/drawing/2014/main" id="{14BF2642-6603-4C49-AB83-440D240AAC7A}"/>
-              </a:ext>
-            </a:extLst>
-          </p:cNvPr>
-          <p:cNvPicPr>
-            <a:picLocks noChangeAspect="1"/>
-          </p:cNvPicPr>
-          <p:nvPr/>
-        </p:nvPicPr>
-        <p:blipFill rotWithShape="1">
-          <a:blip r:embed="rId4"/>
-          <a:srcRect l="23833" t="69053" r="4378" b="681"/>
-          <a:stretch/>
-        </p:blipFill>
-        <p:spPr>
-          <a:xfrm>
-            <a:off x="5626502" y="2916454"/>
-            <a:ext cx="5834725" cy="1568919"/>
-          </a:xfrm>
-          <a:prstGeom prst="rect">
-            <a:avLst/>
-          </a:prstGeom>
-        </p:spPr>
-      </p:pic>
-      <p:cxnSp>
-        <p:nvCxnSpPr>
-          <p:cNvPr id="15" name="Connecteur droit 14">
-            <a:extLst>
-              <a:ext uri="{FF2B5EF4-FFF2-40B4-BE49-F238E27FC236}">
-                <a16:creationId xmlns:a16="http://schemas.microsoft.com/office/drawing/2014/main" id="{04776D8C-1171-452D-A95F-56ADB35F993F}"/>
-              </a:ext>
-            </a:extLst>
-          </p:cNvPr>
-          <p:cNvCxnSpPr>
-            <a:cxnSpLocks/>
-          </p:cNvCxnSpPr>
-          <p:nvPr/>
-        </p:nvCxnSpPr>
-        <p:spPr>
-          <a:xfrm>
-            <a:off x="6095999" y="4177172"/>
-            <a:ext cx="1403034" cy="0"/>
-          </a:xfrm>
-          <a:prstGeom prst="line">
-            <a:avLst/>
-          </a:prstGeom>
-          <a:ln w="28575">
-            <a:solidFill>
-              <a:srgbClr val="FF0000"/>
-            </a:solidFill>
-          </a:ln>
-        </p:spPr>
-        <p:style>
-          <a:lnRef idx="1">
-            <a:schemeClr val="accent2"/>
-          </a:lnRef>
-          <a:fillRef idx="0">
-            <a:schemeClr val="accent2"/>
-          </a:fillRef>
-          <a:effectRef idx="0">
-            <a:schemeClr val="accent2"/>
-          </a:effectRef>
-          <a:fontRef idx="minor">
-            <a:schemeClr val="tx1"/>
-          </a:fontRef>
-        </p:style>
-      </p:cxnSp>
-    </p:spTree>
-    <p:extLst>
-      <p:ext uri="{BB962C8B-B14F-4D97-AF65-F5344CB8AC3E}">
-        <p14:creationId xmlns:p14="http://schemas.microsoft.com/office/powerpoint/2010/main" val="1948630671"/>
-      </p:ext>
-    </p:extLst>
-  </p:cSld>
-  <p:clrMapOvr>
-    <a:masterClrMapping/>
-  </p:clrMapOvr>
-</p:sld>
-</file>
-
-<file path=ppt/slides/slide12.xml><?xml version="1.0" encoding="utf-8"?>
-<p:sld xmlns:a="http://schemas.openxmlformats.org/drawingml/2006/main" xmlns:r="http://schemas.openxmlformats.org/officeDocument/2006/relationships" xmlns:p="http://schemas.openxmlformats.org/presentationml/2006/main">
-  <p:cSld>
-    <p:spTree>
-      <p:nvGrpSpPr>
-        <p:cNvPr id="1" name=""/>
-        <p:cNvGrpSpPr/>
-        <p:nvPr/>
-      </p:nvGrpSpPr>
-      <p:grpSpPr>
-        <a:xfrm>
-          <a:off x="0" y="0"/>
-          <a:ext cx="0" cy="0"/>
-          <a:chOff x="0" y="0"/>
-          <a:chExt cx="0" cy="0"/>
-        </a:xfrm>
-      </p:grpSpPr>
-      <p:sp>
-        <p:nvSpPr>
-          <p:cNvPr id="2" name="Titre 1">
-            <a:extLst>
-              <a:ext uri="{FF2B5EF4-FFF2-40B4-BE49-F238E27FC236}">
                 <a16:creationId xmlns:a16="http://schemas.microsoft.com/office/drawing/2014/main" id="{5F56F51A-8228-488D-86B2-C8EF138BFDD9}"/>
               </a:ext>
             </a:extLst>
@@ -14711,14 +13811,19 @@
             <p:ph type="title"/>
           </p:nvPr>
         </p:nvSpPr>
-        <p:spPr/>
+        <p:spPr>
+          <a:xfrm>
+            <a:off x="1097280" y="263527"/>
+            <a:ext cx="10336914" cy="1450757"/>
+          </a:xfrm>
+        </p:spPr>
         <p:txBody>
           <a:bodyPr/>
           <a:lstStyle/>
           <a:p>
             <a:r>
               <a:rPr lang="fr-FR" dirty="0"/>
-              <a:t>Diagramme de classe</a:t>
+              <a:t>Tâche Personnelle</a:t>
             </a:r>
           </a:p>
         </p:txBody>
@@ -14751,7 +13856,7 @@
         </p:blipFill>
         <p:spPr>
           <a:xfrm>
-            <a:off x="5495250" y="6318665"/>
+            <a:off x="5473546" y="6318665"/>
             <a:ext cx="616018" cy="616018"/>
           </a:xfrm>
           <a:prstGeom prst="rect">
@@ -14951,10 +14056,39 @@
       </p:sp>
       <p:pic>
         <p:nvPicPr>
-          <p:cNvPr id="10" name="Image 9" descr="Une image contenant carte, texte&#10;&#10;Description générée automatiquement">
+          <p:cNvPr id="10" name="Image 9">
             <a:extLst>
               <a:ext uri="{FF2B5EF4-FFF2-40B4-BE49-F238E27FC236}">
-                <a16:creationId xmlns:a16="http://schemas.microsoft.com/office/drawing/2014/main" id="{F210B82A-9318-47B4-A960-31C19B17EBB8}"/>
+                <a16:creationId xmlns:a16="http://schemas.microsoft.com/office/drawing/2014/main" id="{DA6859B6-7F39-45B7-A262-AC61A00B4094}"/>
+              </a:ext>
+            </a:extLst>
+          </p:cNvPr>
+          <p:cNvPicPr>
+            <a:picLocks noChangeAspect="1"/>
+          </p:cNvPicPr>
+          <p:nvPr/>
+        </p:nvPicPr>
+        <p:blipFill rotWithShape="1">
+          <a:blip r:embed="rId3"/>
+          <a:srcRect l="23833" t="69053" r="4378" b="681"/>
+          <a:stretch/>
+        </p:blipFill>
+        <p:spPr>
+          <a:xfrm>
+            <a:off x="5842623" y="140184"/>
+            <a:ext cx="5474126" cy="1471957"/>
+          </a:xfrm>
+          <a:prstGeom prst="rect">
+            <a:avLst/>
+          </a:prstGeom>
+        </p:spPr>
+      </p:pic>
+      <p:pic>
+        <p:nvPicPr>
+          <p:cNvPr id="14" name="Image 13">
+            <a:extLst>
+              <a:ext uri="{FF2B5EF4-FFF2-40B4-BE49-F238E27FC236}">
+                <a16:creationId xmlns:a16="http://schemas.microsoft.com/office/drawing/2014/main" id="{548440BA-8885-45D3-B649-9D63993CB7FA}"/>
               </a:ext>
             </a:extLst>
           </p:cNvPr>
@@ -14964,21 +14098,15 @@
           <p:nvPr/>
         </p:nvPicPr>
         <p:blipFill>
-          <a:blip r:embed="rId3">
-            <a:extLst>
-              <a:ext uri="{28A0092B-C50C-407E-A947-70E740481C1C}">
-                <a14:useLocalDpi xmlns:a14="http://schemas.microsoft.com/office/drawing/2010/main" val="0"/>
-              </a:ext>
-            </a:extLst>
-          </a:blip>
+          <a:blip r:embed="rId4"/>
           <a:stretch>
             <a:fillRect/>
           </a:stretch>
         </p:blipFill>
         <p:spPr>
           <a:xfrm>
-            <a:off x="0" y="1775830"/>
-            <a:ext cx="12158975" cy="4171964"/>
+            <a:off x="2642421" y="1789907"/>
+            <a:ext cx="6262671" cy="4528758"/>
           </a:xfrm>
           <a:prstGeom prst="rect">
             <a:avLst/>
@@ -14988,13 +14116,86 @@
     </p:spTree>
     <p:extLst>
       <p:ext uri="{BB962C8B-B14F-4D97-AF65-F5344CB8AC3E}">
-        <p14:creationId xmlns:p14="http://schemas.microsoft.com/office/powerpoint/2010/main" val="726529839"/>
+        <p14:creationId xmlns:p14="http://schemas.microsoft.com/office/powerpoint/2010/main" val="2357258378"/>
       </p:ext>
     </p:extLst>
   </p:cSld>
   <p:clrMapOvr>
     <a:masterClrMapping/>
   </p:clrMapOvr>
+  <p:timing>
+    <p:tnLst>
+      <p:par>
+        <p:cTn id="1" dur="indefinite" restart="never" nodeType="tmRoot">
+          <p:childTnLst>
+            <p:seq concurrent="1" nextAc="seek">
+              <p:cTn id="2" dur="indefinite" nodeType="mainSeq">
+                <p:childTnLst>
+                  <p:par>
+                    <p:cTn id="3" fill="hold">
+                      <p:stCondLst>
+                        <p:cond delay="indefinite"/>
+                        <p:cond evt="onBegin" delay="0">
+                          <p:tn val="2"/>
+                        </p:cond>
+                      </p:stCondLst>
+                      <p:childTnLst>
+                        <p:par>
+                          <p:cTn id="4" fill="hold">
+                            <p:stCondLst>
+                              <p:cond delay="0"/>
+                            </p:stCondLst>
+                            <p:childTnLst>
+                              <p:par>
+                                <p:cTn id="5" presetID="63" presetClass="path" presetSubtype="0" accel="50000" decel="50000" fill="hold" nodeType="withEffect">
+                                  <p:stCondLst>
+                                    <p:cond delay="0"/>
+                                  </p:stCondLst>
+                                  <p:childTnLst>
+                                    <p:animMotion origin="layout" path="M 1.25E-6 -3.7037E-6 L 0.16107 -3.7037E-6 " pathEditMode="relative" rAng="0" ptsTypes="AA">
+                                      <p:cBhvr>
+                                        <p:cTn id="6" dur="2000" fill="hold"/>
+                                        <p:tgtEl>
+                                          <p:spTgt spid="4"/>
+                                        </p:tgtEl>
+                                        <p:attrNameLst>
+                                          <p:attrName>ppt_x</p:attrName>
+                                          <p:attrName>ppt_y</p:attrName>
+                                        </p:attrNameLst>
+                                      </p:cBhvr>
+                                      <p:rCtr x="8047" y="0"/>
+                                    </p:animMotion>
+                                  </p:childTnLst>
+                                </p:cTn>
+                              </p:par>
+                            </p:childTnLst>
+                          </p:cTn>
+                        </p:par>
+                      </p:childTnLst>
+                    </p:cTn>
+                  </p:par>
+                </p:childTnLst>
+              </p:cTn>
+              <p:prevCondLst>
+                <p:cond evt="onPrev" delay="0">
+                  <p:tgtEl>
+                    <p:sldTgt/>
+                  </p:tgtEl>
+                </p:cond>
+              </p:prevCondLst>
+              <p:nextCondLst>
+                <p:cond evt="onNext" delay="0">
+                  <p:tgtEl>
+                    <p:sldTgt/>
+                  </p:tgtEl>
+                </p:cond>
+              </p:nextCondLst>
+            </p:seq>
+          </p:childTnLst>
+        </p:cTn>
+      </p:par>
+    </p:tnLst>
+  </p:timing>
 </p:sld>
 </file>
 

--- a/Diaporama/DIAPO Steven.pptx
+++ b/Diaporama/DIAPO Steven.pptx
@@ -7136,8 +7136,8 @@
         </p:nvSpPr>
         <p:spPr>
           <a:xfrm>
-            <a:off x="6549331" y="605103"/>
-            <a:ext cx="5642669" cy="1591732"/>
+            <a:off x="6549331" y="343949"/>
+            <a:ext cx="6109656" cy="2121334"/>
           </a:xfrm>
         </p:spPr>
         <p:txBody>
@@ -7152,7 +7152,7 @@
               </a:lnSpc>
             </a:pPr>
             <a:r>
-              <a:rPr lang="en-US" sz="2000" u="sng" dirty="0">
+              <a:rPr lang="en-US" sz="2200" u="sng" dirty="0">
                 <a:ln>
                   <a:solidFill>
                     <a:srgbClr val="000000">
@@ -7169,7 +7169,7 @@
               <a:t>SFL2-Surveillance et </a:t>
             </a:r>
             <a:r>
-              <a:rPr lang="en-US" sz="2000" u="sng" dirty="0" err="1">
+              <a:rPr lang="en-US" sz="2200" u="sng" dirty="0" err="1">
                 <a:ln>
                   <a:solidFill>
                     <a:srgbClr val="000000">
@@ -7186,7 +7186,7 @@
               <a:t>traçabilité</a:t>
             </a:r>
             <a:r>
-              <a:rPr lang="en-US" sz="2000" u="sng" dirty="0">
+              <a:rPr lang="en-US" sz="2200" u="sng" dirty="0">
                 <a:ln>
                   <a:solidFill>
                     <a:srgbClr val="000000">
@@ -7203,7 +7203,7 @@
               <a:t> de la </a:t>
             </a:r>
             <a:r>
-              <a:rPr lang="en-US" sz="2000" u="sng" dirty="0" err="1">
+              <a:rPr lang="en-US" sz="2200" u="sng" dirty="0" err="1">
                 <a:ln>
                   <a:solidFill>
                     <a:srgbClr val="000000">
@@ -7220,7 +7220,7 @@
               <a:t>chaîne</a:t>
             </a:r>
             <a:r>
-              <a:rPr lang="en-US" sz="2000" u="sng" dirty="0">
+              <a:rPr lang="en-US" sz="2200" u="sng" dirty="0">
                 <a:ln>
                   <a:solidFill>
                     <a:srgbClr val="000000">
@@ -7237,7 +7237,7 @@
               <a:t> du </a:t>
             </a:r>
             <a:r>
-              <a:rPr lang="en-US" sz="2000" u="sng" dirty="0" err="1">
+              <a:rPr lang="en-US" sz="2200" u="sng" dirty="0" err="1">
                 <a:ln>
                   <a:solidFill>
                     <a:srgbClr val="000000">
@@ -7253,7 +7253,7 @@
               </a:rPr>
               <a:t>froid</a:t>
             </a:r>
-            <a:endParaRPr lang="en-US" sz="2000" u="sng" dirty="0">
+            <a:endParaRPr lang="en-US" sz="2200" u="sng" dirty="0">
               <a:solidFill>
                 <a:srgbClr val="C00000"/>
               </a:solidFill>

--- a/Diaporama/DIAPO Steven.pptx
+++ b/Diaporama/DIAPO Steven.pptx
@@ -3569,7 +3569,7 @@
           <a:p>
             <a:fld id="{2BE451C3-0FF4-47C4-B829-773ADF60F88C}" type="datetimeFigureOut">
               <a:rPr lang="en-US" smtClean="0"/>
-              <a:t>1/28/2020</a:t>
+              <a:t>2/4/2020</a:t>
             </a:fld>
             <a:endParaRPr lang="en-US" dirty="0"/>
           </a:p>
@@ -3784,7 +3784,7 @@
           <a:p>
             <a:fld id="{2BE451C3-0FF4-47C4-B829-773ADF60F88C}" type="datetimeFigureOut">
               <a:rPr lang="en-US" smtClean="0"/>
-              <a:t>1/28/2020</a:t>
+              <a:t>2/4/2020</a:t>
             </a:fld>
             <a:endParaRPr lang="en-US" dirty="0"/>
           </a:p>
@@ -4047,7 +4047,7 @@
           <a:p>
             <a:fld id="{2BE451C3-0FF4-47C4-B829-773ADF60F88C}" type="datetimeFigureOut">
               <a:rPr lang="en-US" smtClean="0"/>
-              <a:t>1/28/2020</a:t>
+              <a:t>2/4/2020</a:t>
             </a:fld>
             <a:endParaRPr lang="en-US" dirty="0"/>
           </a:p>
@@ -4228,7 +4228,7 @@
           <a:p>
             <a:fld id="{2BE451C3-0FF4-47C4-B829-773ADF60F88C}" type="datetimeFigureOut">
               <a:rPr lang="en-US" smtClean="0"/>
-              <a:t>1/28/2020</a:t>
+              <a:t>2/4/2020</a:t>
             </a:fld>
             <a:endParaRPr lang="en-US" dirty="0"/>
           </a:p>
@@ -4578,7 +4578,7 @@
           <a:p>
             <a:fld id="{2BE451C3-0FF4-47C4-B829-773ADF60F88C}" type="datetimeFigureOut">
               <a:rPr lang="en-US" smtClean="0"/>
-              <a:t>1/28/2020</a:t>
+              <a:t>2/4/2020</a:t>
             </a:fld>
             <a:endParaRPr lang="en-US" dirty="0"/>
           </a:p>
@@ -4860,7 +4860,7 @@
           <a:p>
             <a:fld id="{2BE451C3-0FF4-47C4-B829-773ADF60F88C}" type="datetimeFigureOut">
               <a:rPr lang="en-US" smtClean="0"/>
-              <a:t>1/28/2020</a:t>
+              <a:t>2/4/2020</a:t>
             </a:fld>
             <a:endParaRPr lang="en-US" dirty="0"/>
           </a:p>
@@ -5246,7 +5246,7 @@
           <a:p>
             <a:fld id="{2BE451C3-0FF4-47C4-B829-773ADF60F88C}" type="datetimeFigureOut">
               <a:rPr lang="en-US" smtClean="0"/>
-              <a:t>1/28/2020</a:t>
+              <a:t>2/4/2020</a:t>
             </a:fld>
             <a:endParaRPr lang="en-US" dirty="0"/>
           </a:p>
@@ -5371,7 +5371,7 @@
           <a:p>
             <a:fld id="{2BE451C3-0FF4-47C4-B829-773ADF60F88C}" type="datetimeFigureOut">
               <a:rPr lang="en-US" smtClean="0"/>
-              <a:t>1/28/2020</a:t>
+              <a:t>2/4/2020</a:t>
             </a:fld>
             <a:endParaRPr lang="en-US" dirty="0"/>
           </a:p>
@@ -5549,7 +5549,7 @@
           <a:p>
             <a:fld id="{2BE451C3-0FF4-47C4-B829-773ADF60F88C}" type="datetimeFigureOut">
               <a:rPr lang="en-US" smtClean="0"/>
-              <a:t>1/28/2020</a:t>
+              <a:t>2/4/2020</a:t>
             </a:fld>
             <a:endParaRPr lang="en-US" dirty="0"/>
           </a:p>
@@ -5910,7 +5910,7 @@
           <a:p>
             <a:fld id="{2BE451C3-0FF4-47C4-B829-773ADF60F88C}" type="datetimeFigureOut">
               <a:rPr lang="en-US" smtClean="0"/>
-              <a:t>1/28/2020</a:t>
+              <a:t>2/4/2020</a:t>
             </a:fld>
             <a:endParaRPr lang="en-US" dirty="0"/>
           </a:p>
@@ -6299,7 +6299,7 @@
           <a:p>
             <a:fld id="{2BE451C3-0FF4-47C4-B829-773ADF60F88C}" type="datetimeFigureOut">
               <a:rPr lang="en-US" smtClean="0"/>
-              <a:t>1/28/2020</a:t>
+              <a:t>2/4/2020</a:t>
             </a:fld>
             <a:endParaRPr lang="en-US" dirty="0"/>
           </a:p>
@@ -6593,7 +6593,7 @@
           <a:p>
             <a:fld id="{2BE451C3-0FF4-47C4-B829-773ADF60F88C}" type="datetimeFigureOut">
               <a:rPr lang="en-US" smtClean="0"/>
-              <a:t>1/28/2020</a:t>
+              <a:t>2/4/2020</a:t>
             </a:fld>
             <a:endParaRPr lang="en-US" dirty="0"/>
           </a:p>
@@ -8054,6 +8054,9 @@
   <p:clrMapOvr>
     <a:masterClrMapping/>
   </p:clrMapOvr>
+  <p:transition spd="slow">
+    <p:push dir="u"/>
+  </p:transition>
   <p:timing>
     <p:tnLst>
       <p:par>
@@ -8246,6 +8249,9 @@
   <p:clrMapOvr>
     <a:masterClrMapping/>
   </p:clrMapOvr>
+  <p:transition spd="slow">
+    <p:push dir="u"/>
+  </p:transition>
 </p:sld>
 </file>
 
@@ -8712,6 +8718,9 @@
   <p:clrMapOvr>
     <a:masterClrMapping/>
   </p:clrMapOvr>
+  <p:transition spd="slow">
+    <p:push dir="u"/>
+  </p:transition>
   <p:timing>
     <p:tnLst>
       <p:par>
@@ -10451,6 +10460,9 @@
   <p:clrMapOvr>
     <a:masterClrMapping/>
   </p:clrMapOvr>
+  <p:transition spd="slow">
+    <p:push dir="u"/>
+  </p:transition>
 </p:sld>
 </file>
 
@@ -11385,6 +11397,9 @@
   <p:clrMapOvr>
     <a:masterClrMapping/>
   </p:clrMapOvr>
+  <p:transition spd="slow">
+    <p:push dir="u"/>
+  </p:transition>
   <p:timing>
     <p:tnLst>
       <p:par>
@@ -12175,6 +12190,9 @@
   <p:clrMapOvr>
     <a:masterClrMapping/>
   </p:clrMapOvr>
+  <p:transition spd="slow">
+    <p:push dir="u"/>
+  </p:transition>
   <p:timing>
     <p:tnLst>
       <p:par>
@@ -13775,6 +13793,9 @@
   <p:clrMapOvr>
     <a:masterClrMapping/>
   </p:clrMapOvr>
+  <p:transition spd="slow">
+    <p:push dir="u"/>
+  </p:transition>
 </p:sld>
 </file>
 
@@ -14123,6 +14144,9 @@
   <p:clrMapOvr>
     <a:masterClrMapping/>
   </p:clrMapOvr>
+  <p:transition spd="slow">
+    <p:push dir="u"/>
+  </p:transition>
   <p:timing>
     <p:tnLst>
       <p:par>
